--- a/IDPA/Can’t Have My Money.pptx
+++ b/IDPA/Can’t Have My Money.pptx
@@ -929,7 +929,7 @@
               <a:pPr>
                 <a:defRPr/>
               </a:pPr>
-              <a:t>2/20/20</a:t>
+              <a:t>3/4/20</a:t>
             </a:fld>
             <a:endParaRPr lang="en-US"/>
           </a:p>
@@ -4820,7 +4820,7 @@
           <p:nvPr>
             <p:extLst>
               <p:ext uri="{D42A27DB-BD31-4B8C-83A1-F6EECF244321}">
-                <p14:modId xmlns:p14="http://schemas.microsoft.com/office/powerpoint/2010/main" val="712737106"/>
+                <p14:modId xmlns:p14="http://schemas.microsoft.com/office/powerpoint/2010/main" val="770621294"/>
               </p:ext>
             </p:extLst>
           </p:nvPr>
@@ -5064,7 +5064,33 @@
                           <a:effectLst/>
                           <a:latin typeface="Arial" charset="0"/>
                         </a:rPr>
-                        <a:t>ourse Designer: Stanly Lewis</a:t>
+                        <a:t>ourse Designer</a:t>
+                      </a:r>
+                      <a:r>
+                        <a:rPr kumimoji="0" lang="en-US" sz="1200" b="1" i="0" u="none" strike="noStrike" cap="none" normalizeH="0" baseline="0">
+                          <a:ln>
+                            <a:noFill/>
+                          </a:ln>
+                          <a:solidFill>
+                            <a:schemeClr val="tx1"/>
+                          </a:solidFill>
+                          <a:effectLst/>
+                          <a:latin typeface="Arial" charset="0"/>
+                        </a:rPr>
+                        <a:t>: Stanley </a:t>
+                      </a:r>
+                      <a:r>
+                        <a:rPr kumimoji="0" lang="en-US" sz="1200" b="1" i="0" u="none" strike="noStrike" cap="none" normalizeH="0" baseline="0" dirty="0">
+                          <a:ln>
+                            <a:noFill/>
+                          </a:ln>
+                          <a:solidFill>
+                            <a:schemeClr val="tx1"/>
+                          </a:solidFill>
+                          <a:effectLst/>
+                          <a:latin typeface="Arial" charset="0"/>
+                        </a:rPr>
+                        <a:t>Lewis</a:t>
                       </a:r>
                     </a:p>
                   </a:txBody>
